--- a/Apresentacao_Angular_Google_Maps.pptx
+++ b/Apresentacao_Angular_Google_Maps.pptx
@@ -3956,7 +3956,7 @@
             </a:pPr>
             <a:r>
               <a:rPr lang="pt-BR" dirty="0"/>
-              <a:t>14/10/2021</a:t>
+              <a:t>15/10/2021</a:t>
             </a:r>
             <a:endParaRPr dirty="0"/>
           </a:p>
@@ -5222,7 +5222,7 @@
                   </a:extLst>
                 </a:hlinkClick>
               </a:rPr>
-              <a:t>https://github.com/rocketseat-experts-club/angular-http-requests-2021-10-13/tree/template</a:t>
+              <a:t>https://github.com/rocketseat-experts-club/angular-google-maps-2021-10-15/tree/template</a:t>
             </a:r>
             <a:endParaRPr lang="pt-BR" b="0" dirty="0">
               <a:solidFill>
@@ -5293,28 +5293,6 @@
                 <a:ea typeface="Roboto" panose="02000000000000000000" pitchFamily="2" charset="0"/>
               </a:rPr>
               <a:t>install</a:t>
-            </a:r>
-            <a:r>
-              <a:rPr lang="pt-BR" b="0" i="0" dirty="0">
-                <a:solidFill>
-                  <a:srgbClr val="D73628"/>
-                </a:solidFill>
-                <a:effectLst/>
-                <a:latin typeface="Roboto" panose="02000000000000000000" pitchFamily="2" charset="0"/>
-                <a:ea typeface="Roboto" panose="02000000000000000000" pitchFamily="2" charset="0"/>
-              </a:rPr>
-              <a:t> --</a:t>
-            </a:r>
-            <a:r>
-              <a:rPr lang="pt-BR" b="0" i="0" dirty="0" err="1">
-                <a:solidFill>
-                  <a:srgbClr val="D73628"/>
-                </a:solidFill>
-                <a:effectLst/>
-                <a:latin typeface="Roboto" panose="02000000000000000000" pitchFamily="2" charset="0"/>
-                <a:ea typeface="Roboto" panose="02000000000000000000" pitchFamily="2" charset="0"/>
-              </a:rPr>
-              <a:t>save</a:t>
             </a:r>
             <a:r>
               <a:rPr lang="pt-BR" b="0" i="0" dirty="0">

--- a/Apresentacao_Angular_Google_Maps.pptx
+++ b/Apresentacao_Angular_Google_Maps.pptx
@@ -3956,7 +3956,7 @@
             </a:pPr>
             <a:r>
               <a:rPr lang="pt-BR" dirty="0"/>
-              <a:t>15/10/2021</a:t>
+              <a:t>16/10/2021</a:t>
             </a:r>
             <a:endParaRPr dirty="0"/>
           </a:p>
@@ -5222,7 +5222,7 @@
                   </a:extLst>
                 </a:hlinkClick>
               </a:rPr>
-              <a:t>https://github.com/rocketseat-experts-club/angular-google-maps-2021-10-15/tree/template</a:t>
+              <a:t>https://github.com/rocketseat-experts-club/angular-google-maps-2021-10-16/tree/template</a:t>
             </a:r>
             <a:endParaRPr lang="pt-BR" b="0" dirty="0">
               <a:solidFill>

--- a/Apresentacao_Angular_Google_Maps.pptx
+++ b/Apresentacao_Angular_Google_Maps.pptx
@@ -5231,82 +5231,6 @@
             </a:endParaRPr>
           </a:p>
           <a:p>
-            <a:pPr marL="457200" lvl="0" indent="-342900" algn="l" rtl="0">
-              <a:lnSpc>
-                <a:spcPct val="150000"/>
-              </a:lnSpc>
-              <a:spcBef>
-                <a:spcPts val="0"/>
-              </a:spcBef>
-              <a:spcAft>
-                <a:spcPts val="0"/>
-              </a:spcAft>
-              <a:buSzPts val="1800"/>
-              <a:buChar char="●"/>
-            </a:pPr>
-            <a:r>
-              <a:rPr lang="pt-BR" b="0" dirty="0">
-                <a:solidFill>
-                  <a:schemeClr val="bg1"/>
-                </a:solidFill>
-              </a:rPr>
-              <a:t>Após clonado em sua máquina, é necessário instalar a dependência do Google Map utilizada em aula, sendo ela:</a:t>
-            </a:r>
-          </a:p>
-          <a:p>
-            <a:pPr lvl="1" indent="-342900">
-              <a:lnSpc>
-                <a:spcPct val="150000"/>
-              </a:lnSpc>
-              <a:buSzPts val="1800"/>
-              <a:buChar char="●"/>
-            </a:pPr>
-            <a:r>
-              <a:rPr lang="pt-BR" b="0" i="0" dirty="0" err="1">
-                <a:solidFill>
-                  <a:srgbClr val="D73628"/>
-                </a:solidFill>
-                <a:effectLst/>
-                <a:latin typeface="Roboto" panose="02000000000000000000" pitchFamily="2" charset="0"/>
-                <a:ea typeface="Roboto" panose="02000000000000000000" pitchFamily="2" charset="0"/>
-              </a:rPr>
-              <a:t>npm</a:t>
-            </a:r>
-            <a:r>
-              <a:rPr lang="pt-BR" b="0" i="0" dirty="0">
-                <a:solidFill>
-                  <a:srgbClr val="D73628"/>
-                </a:solidFill>
-                <a:effectLst/>
-                <a:latin typeface="Roboto" panose="02000000000000000000" pitchFamily="2" charset="0"/>
-                <a:ea typeface="Roboto" panose="02000000000000000000" pitchFamily="2" charset="0"/>
-              </a:rPr>
-              <a:t> </a:t>
-            </a:r>
-            <a:r>
-              <a:rPr lang="pt-BR" b="0" i="0" dirty="0" err="1">
-                <a:solidFill>
-                  <a:srgbClr val="D73628"/>
-                </a:solidFill>
-                <a:effectLst/>
-                <a:latin typeface="Roboto" panose="02000000000000000000" pitchFamily="2" charset="0"/>
-                <a:ea typeface="Roboto" panose="02000000000000000000" pitchFamily="2" charset="0"/>
-              </a:rPr>
-              <a:t>install</a:t>
-            </a:r>
-            <a:r>
-              <a:rPr lang="pt-BR" b="0" i="0" dirty="0">
-                <a:solidFill>
-                  <a:srgbClr val="D73628"/>
-                </a:solidFill>
-                <a:effectLst/>
-                <a:latin typeface="Roboto" panose="02000000000000000000" pitchFamily="2" charset="0"/>
-                <a:ea typeface="Roboto" panose="02000000000000000000" pitchFamily="2" charset="0"/>
-              </a:rPr>
-              <a:t> @angular/google-maps</a:t>
-            </a:r>
-          </a:p>
-          <a:p>
             <a:pPr>
               <a:lnSpc>
                 <a:spcPct val="150000"/>
@@ -5324,12 +5248,36 @@
               </a:rPr>
               <a:t>Além disso, é necessário gerar uma API Key para que seja possível utilizar o Google Map em nosso projeto.</a:t>
             </a:r>
-            <a:endParaRPr lang="pt-BR" dirty="0">
+          </a:p>
+          <a:p>
+            <a:pPr lvl="1">
+              <a:lnSpc>
+                <a:spcPct val="150000"/>
+              </a:lnSpc>
+            </a:pPr>
+            <a:r>
+              <a:rPr lang="pt-BR" b="0" dirty="0">
+                <a:solidFill>
+                  <a:srgbClr val="D73628"/>
+                </a:solidFill>
+                <a:effectLst/>
+                <a:latin typeface="Roboto" panose="02000000000000000000" pitchFamily="2" charset="0"/>
+                <a:ea typeface="Roboto" panose="02000000000000000000" pitchFamily="2" charset="0"/>
+                <a:hlinkClick r:id="rId4">
+                  <a:extLst>
+                    <a:ext uri="{A12FA001-AC4F-418D-AE19-62706E023703}">
+                      <ahyp:hlinkClr xmlns:ahyp="http://schemas.microsoft.com/office/drawing/2018/hyperlinkcolor" val="tx"/>
+                    </a:ext>
+                  </a:extLst>
+                </a:hlinkClick>
+              </a:rPr>
+              <a:t>https://developers.google.com/maps/documentation/javascript/adding-a-google-map#step_3_get_an_api_key</a:t>
+            </a:r>
+            <a:endParaRPr lang="pt-BR" b="0" dirty="0">
               <a:solidFill>
-                <a:schemeClr val="bg1">
-                  <a:lumMod val="95000"/>
-                </a:schemeClr>
+                <a:srgbClr val="D73628"/>
               </a:solidFill>
+              <a:effectLst/>
               <a:latin typeface="Roboto" panose="02000000000000000000" pitchFamily="2" charset="0"/>
               <a:ea typeface="Roboto" panose="02000000000000000000" pitchFamily="2" charset="0"/>
             </a:endParaRPr>
